--- a/diagram.pptx
+++ b/diagram.pptx
@@ -104,6 +104,11 @@
       </a:defRPr>
     </a:lvl9pPr>
   </p:defaultTextStyle>
+  <p:extLst>
+    <p:ext uri="{EFAFB233-063F-42B5-8137-9DF3F51BA10A}">
+      <p15:sldGuideLst xmlns:p15="http://schemas.microsoft.com/office/powerpoint/2012/main"/>
+    </p:ext>
+  </p:extLst>
 </p:presentation>
 </file>
 
@@ -256,7 +261,7 @@
           <a:p>
             <a:fld id="{7F7E3FA7-485B-4600-AEF0-A1DA8BE12E85}" type="datetimeFigureOut">
               <a:rPr lang="en-CA" smtClean="0"/>
-              <a:t>2022-02-11</a:t>
+              <a:t>2022-02-14</a:t>
             </a:fld>
             <a:endParaRPr lang="en-CA"/>
           </a:p>
@@ -456,7 +461,7 @@
           <a:p>
             <a:fld id="{7F7E3FA7-485B-4600-AEF0-A1DA8BE12E85}" type="datetimeFigureOut">
               <a:rPr lang="en-CA" smtClean="0"/>
-              <a:t>2022-02-11</a:t>
+              <a:t>2022-02-14</a:t>
             </a:fld>
             <a:endParaRPr lang="en-CA"/>
           </a:p>
@@ -666,7 +671,7 @@
           <a:p>
             <a:fld id="{7F7E3FA7-485B-4600-AEF0-A1DA8BE12E85}" type="datetimeFigureOut">
               <a:rPr lang="en-CA" smtClean="0"/>
-              <a:t>2022-02-11</a:t>
+              <a:t>2022-02-14</a:t>
             </a:fld>
             <a:endParaRPr lang="en-CA"/>
           </a:p>
@@ -866,7 +871,7 @@
           <a:p>
             <a:fld id="{7F7E3FA7-485B-4600-AEF0-A1DA8BE12E85}" type="datetimeFigureOut">
               <a:rPr lang="en-CA" smtClean="0"/>
-              <a:t>2022-02-11</a:t>
+              <a:t>2022-02-14</a:t>
             </a:fld>
             <a:endParaRPr lang="en-CA"/>
           </a:p>
@@ -1142,7 +1147,7 @@
           <a:p>
             <a:fld id="{7F7E3FA7-485B-4600-AEF0-A1DA8BE12E85}" type="datetimeFigureOut">
               <a:rPr lang="en-CA" smtClean="0"/>
-              <a:t>2022-02-11</a:t>
+              <a:t>2022-02-14</a:t>
             </a:fld>
             <a:endParaRPr lang="en-CA"/>
           </a:p>
@@ -1410,7 +1415,7 @@
           <a:p>
             <a:fld id="{7F7E3FA7-485B-4600-AEF0-A1DA8BE12E85}" type="datetimeFigureOut">
               <a:rPr lang="en-CA" smtClean="0"/>
-              <a:t>2022-02-11</a:t>
+              <a:t>2022-02-14</a:t>
             </a:fld>
             <a:endParaRPr lang="en-CA"/>
           </a:p>
@@ -1825,7 +1830,7 @@
           <a:p>
             <a:fld id="{7F7E3FA7-485B-4600-AEF0-A1DA8BE12E85}" type="datetimeFigureOut">
               <a:rPr lang="en-CA" smtClean="0"/>
-              <a:t>2022-02-11</a:t>
+              <a:t>2022-02-14</a:t>
             </a:fld>
             <a:endParaRPr lang="en-CA"/>
           </a:p>
@@ -1967,7 +1972,7 @@
           <a:p>
             <a:fld id="{7F7E3FA7-485B-4600-AEF0-A1DA8BE12E85}" type="datetimeFigureOut">
               <a:rPr lang="en-CA" smtClean="0"/>
-              <a:t>2022-02-11</a:t>
+              <a:t>2022-02-14</a:t>
             </a:fld>
             <a:endParaRPr lang="en-CA"/>
           </a:p>
@@ -2080,7 +2085,7 @@
           <a:p>
             <a:fld id="{7F7E3FA7-485B-4600-AEF0-A1DA8BE12E85}" type="datetimeFigureOut">
               <a:rPr lang="en-CA" smtClean="0"/>
-              <a:t>2022-02-11</a:t>
+              <a:t>2022-02-14</a:t>
             </a:fld>
             <a:endParaRPr lang="en-CA"/>
           </a:p>
@@ -2393,7 +2398,7 @@
           <a:p>
             <a:fld id="{7F7E3FA7-485B-4600-AEF0-A1DA8BE12E85}" type="datetimeFigureOut">
               <a:rPr lang="en-CA" smtClean="0"/>
-              <a:t>2022-02-11</a:t>
+              <a:t>2022-02-14</a:t>
             </a:fld>
             <a:endParaRPr lang="en-CA"/>
           </a:p>
@@ -2682,7 +2687,7 @@
           <a:p>
             <a:fld id="{7F7E3FA7-485B-4600-AEF0-A1DA8BE12E85}" type="datetimeFigureOut">
               <a:rPr lang="en-CA" smtClean="0"/>
-              <a:t>2022-02-11</a:t>
+              <a:t>2022-02-14</a:t>
             </a:fld>
             <a:endParaRPr lang="en-CA"/>
           </a:p>
@@ -2925,7 +2930,7 @@
           <a:p>
             <a:fld id="{7F7E3FA7-485B-4600-AEF0-A1DA8BE12E85}" type="datetimeFigureOut">
               <a:rPr lang="en-CA" smtClean="0"/>
-              <a:t>2022-02-11</a:t>
+              <a:t>2022-02-14</a:t>
             </a:fld>
             <a:endParaRPr lang="en-CA"/>
           </a:p>
@@ -3625,8 +3630,8 @@
         </p:nvSpPr>
         <p:spPr>
           <a:xfrm>
-            <a:off x="6252866" y="1484421"/>
-            <a:ext cx="2073966" cy="461665"/>
+            <a:off x="6425394" y="1413517"/>
+            <a:ext cx="2073966" cy="584775"/>
           </a:xfrm>
           <a:prstGeom prst="rect">
             <a:avLst/>
@@ -3662,6 +3667,16 @@
             <a:r>
               <a:rPr lang="en-US" sz="800" dirty="0"/>
               <a:t>Contact Info</a:t>
+            </a:r>
+          </a:p>
+          <a:p>
+            <a:pPr marL="171450" indent="-171450">
+              <a:buFont typeface="Arial" panose="020B0604020202020204" pitchFamily="34" charset="0"/>
+              <a:buChar char="•"/>
+            </a:pPr>
+            <a:r>
+              <a:rPr lang="en-US" sz="800" dirty="0"/>
+              <a:t>Location</a:t>
             </a:r>
             <a:endParaRPr lang="en-CA" sz="800" dirty="0"/>
           </a:p>
